--- a/PresentacioJornadaICM14Juny2022.pptx
+++ b/PresentacioJornadaICM14Juny2022.pptx
@@ -238,7 +238,7 @@
             <a:fld id="{2036D452-4BFF-3249-96EE-E3C303022FFD}" type="datetimeFigureOut">
               <a:rPr lang="ca-ES" smtClean="0"/>
               <a:pPr/>
-              <a:t>13/6/2022</a:t>
+              <a:t>16/6/2022</a:t>
             </a:fld>
             <a:endParaRPr lang="ca-ES"/>
           </a:p>
@@ -939,7 +939,7 @@
             <a:fld id="{0CCCA0FD-E266-D64F-ACCC-66405E8E080F}" type="datetimeFigureOut">
               <a:rPr lang="es-ES" smtClean="0"/>
               <a:pPr/>
-              <a:t>13/06/2022</a:t>
+              <a:t>16/06/2022</a:t>
             </a:fld>
             <a:endParaRPr lang="es-ES" dirty="0"/>
           </a:p>
@@ -1231,7 +1231,7 @@
             <a:fld id="{0CCCA0FD-E266-D64F-ACCC-66405E8E080F}" type="datetimeFigureOut">
               <a:rPr lang="es-ES" smtClean="0"/>
               <a:pPr/>
-              <a:t>13/06/2022</a:t>
+              <a:t>16/06/2022</a:t>
             </a:fld>
             <a:endParaRPr lang="es-ES" dirty="0"/>
           </a:p>
@@ -1443,7 +1443,7 @@
             <a:fld id="{0CCCA0FD-E266-D64F-ACCC-66405E8E080F}" type="datetimeFigureOut">
               <a:rPr lang="es-ES" smtClean="0"/>
               <a:pPr/>
-              <a:t>13/06/2022</a:t>
+              <a:t>16/06/2022</a:t>
             </a:fld>
             <a:endParaRPr lang="es-ES" dirty="0"/>
           </a:p>
@@ -1655,7 +1655,7 @@
             <a:fld id="{0CCCA0FD-E266-D64F-ACCC-66405E8E080F}" type="datetimeFigureOut">
               <a:rPr lang="es-ES" smtClean="0"/>
               <a:pPr/>
-              <a:t>13/06/2022</a:t>
+              <a:t>16/06/2022</a:t>
             </a:fld>
             <a:endParaRPr lang="es-ES" dirty="0"/>
           </a:p>
@@ -1926,7 +1926,7 @@
             <a:fld id="{A1B81F02-28AA-EA4A-AA68-883121E8C6F1}" type="datetimeFigureOut">
               <a:rPr lang="ca-ES" smtClean="0"/>
               <a:pPr/>
-              <a:t>13/6/2022</a:t>
+              <a:t>16/6/2022</a:t>
             </a:fld>
             <a:endParaRPr lang="ca-ES"/>
           </a:p>
@@ -2128,7 +2128,7 @@
             <a:fld id="{A1B81F02-28AA-EA4A-AA68-883121E8C6F1}" type="datetimeFigureOut">
               <a:rPr lang="ca-ES" smtClean="0"/>
               <a:pPr/>
-              <a:t>13/6/2022</a:t>
+              <a:t>16/6/2022</a:t>
             </a:fld>
             <a:endParaRPr lang="ca-ES"/>
           </a:p>
@@ -2406,7 +2406,7 @@
             <a:fld id="{A1B81F02-28AA-EA4A-AA68-883121E8C6F1}" type="datetimeFigureOut">
               <a:rPr lang="ca-ES" smtClean="0"/>
               <a:pPr/>
-              <a:t>13/6/2022</a:t>
+              <a:t>16/6/2022</a:t>
             </a:fld>
             <a:endParaRPr lang="ca-ES"/>
           </a:p>
@@ -2676,7 +2676,7 @@
             <a:fld id="{A1B81F02-28AA-EA4A-AA68-883121E8C6F1}" type="datetimeFigureOut">
               <a:rPr lang="ca-ES" smtClean="0"/>
               <a:pPr/>
-              <a:t>13/6/2022</a:t>
+              <a:t>16/6/2022</a:t>
             </a:fld>
             <a:endParaRPr lang="ca-ES"/>
           </a:p>
@@ -3093,7 +3093,7 @@
             <a:fld id="{A1B81F02-28AA-EA4A-AA68-883121E8C6F1}" type="datetimeFigureOut">
               <a:rPr lang="ca-ES" smtClean="0"/>
               <a:pPr/>
-              <a:t>13/6/2022</a:t>
+              <a:t>16/6/2022</a:t>
             </a:fld>
             <a:endParaRPr lang="ca-ES"/>
           </a:p>
@@ -3870,7 +3870,7 @@
             <a:fld id="{A1B81F02-28AA-EA4A-AA68-883121E8C6F1}" type="datetimeFigureOut">
               <a:rPr lang="ca-ES" smtClean="0"/>
               <a:pPr/>
-              <a:t>13/6/2022</a:t>
+              <a:t>16/6/2022</a:t>
             </a:fld>
             <a:endParaRPr lang="ca-ES"/>
           </a:p>
@@ -3985,7 +3985,7 @@
             <a:fld id="{A1B81F02-28AA-EA4A-AA68-883121E8C6F1}" type="datetimeFigureOut">
               <a:rPr lang="ca-ES" smtClean="0"/>
               <a:pPr/>
-              <a:t>13/6/2022</a:t>
+              <a:t>16/6/2022</a:t>
             </a:fld>
             <a:endParaRPr lang="ca-ES"/>
           </a:p>
@@ -4300,7 +4300,7 @@
             <a:fld id="{A1B81F02-28AA-EA4A-AA68-883121E8C6F1}" type="datetimeFigureOut">
               <a:rPr lang="ca-ES" smtClean="0"/>
               <a:pPr/>
-              <a:t>13/6/2022</a:t>
+              <a:t>16/6/2022</a:t>
             </a:fld>
             <a:endParaRPr lang="ca-ES"/>
           </a:p>
@@ -4591,7 +4591,7 @@
             <a:fld id="{A1B81F02-28AA-EA4A-AA68-883121E8C6F1}" type="datetimeFigureOut">
               <a:rPr lang="ca-ES" smtClean="0"/>
               <a:pPr/>
-              <a:t>13/6/2022</a:t>
+              <a:t>16/6/2022</a:t>
             </a:fld>
             <a:endParaRPr lang="ca-ES"/>
           </a:p>
@@ -4793,7 +4793,7 @@
             <a:fld id="{A1B81F02-28AA-EA4A-AA68-883121E8C6F1}" type="datetimeFigureOut">
               <a:rPr lang="ca-ES" smtClean="0"/>
               <a:pPr/>
-              <a:t>13/6/2022</a:t>
+              <a:t>16/6/2022</a:t>
             </a:fld>
             <a:endParaRPr lang="ca-ES"/>
           </a:p>
@@ -5005,7 +5005,7 @@
             <a:fld id="{A1B81F02-28AA-EA4A-AA68-883121E8C6F1}" type="datetimeFigureOut">
               <a:rPr lang="ca-ES" smtClean="0"/>
               <a:pPr/>
-              <a:t>13/6/2022</a:t>
+              <a:t>16/6/2022</a:t>
             </a:fld>
             <a:endParaRPr lang="ca-ES"/>
           </a:p>
@@ -6263,7 +6263,7 @@
             <a:fld id="{0CCCA0FD-E266-D64F-ACCC-66405E8E080F}" type="datetimeFigureOut">
               <a:rPr lang="es-ES" smtClean="0"/>
               <a:pPr/>
-              <a:t>13/06/2022</a:t>
+              <a:t>16/06/2022</a:t>
             </a:fld>
             <a:endParaRPr lang="es-ES" dirty="0"/>
           </a:p>
@@ -6539,7 +6539,7 @@
             <a:fld id="{0CCCA0FD-E266-D64F-ACCC-66405E8E080F}" type="datetimeFigureOut">
               <a:rPr lang="es-ES" smtClean="0"/>
               <a:pPr/>
-              <a:t>13/06/2022</a:t>
+              <a:t>16/06/2022</a:t>
             </a:fld>
             <a:endParaRPr lang="es-ES" dirty="0"/>
           </a:p>
@@ -6811,7 +6811,7 @@
             <a:fld id="{0CCCA0FD-E266-D64F-ACCC-66405E8E080F}" type="datetimeFigureOut">
               <a:rPr lang="es-ES" smtClean="0"/>
               <a:pPr/>
-              <a:t>13/06/2022</a:t>
+              <a:t>16/06/2022</a:t>
             </a:fld>
             <a:endParaRPr lang="es-ES" dirty="0"/>
           </a:p>
@@ -7219,7 +7219,7 @@
             <a:fld id="{0CCCA0FD-E266-D64F-ACCC-66405E8E080F}" type="datetimeFigureOut">
               <a:rPr lang="es-ES" smtClean="0"/>
               <a:pPr/>
-              <a:t>13/06/2022</a:t>
+              <a:t>16/06/2022</a:t>
             </a:fld>
             <a:endParaRPr lang="es-ES" dirty="0"/>
           </a:p>
@@ -7371,7 +7371,7 @@
             <a:fld id="{0CCCA0FD-E266-D64F-ACCC-66405E8E080F}" type="datetimeFigureOut">
               <a:rPr lang="es-ES" smtClean="0"/>
               <a:pPr/>
-              <a:t>13/06/2022</a:t>
+              <a:t>16/06/2022</a:t>
             </a:fld>
             <a:endParaRPr lang="es-ES" dirty="0"/>
           </a:p>
@@ -7492,7 +7492,7 @@
             <a:fld id="{0CCCA0FD-E266-D64F-ACCC-66405E8E080F}" type="datetimeFigureOut">
               <a:rPr lang="es-ES" smtClean="0"/>
               <a:pPr/>
-              <a:t>13/06/2022</a:t>
+              <a:t>16/06/2022</a:t>
             </a:fld>
             <a:endParaRPr lang="es-ES" dirty="0"/>
           </a:p>
@@ -9212,7 +9212,7 @@
             <a:fld id="{A1B81F02-28AA-EA4A-AA68-883121E8C6F1}" type="datetimeFigureOut">
               <a:rPr lang="ca-ES" smtClean="0"/>
               <a:pPr/>
-              <a:t>13/6/2022</a:t>
+              <a:t>16/6/2022</a:t>
             </a:fld>
             <a:endParaRPr lang="ca-ES"/>
           </a:p>
@@ -10876,7 +10876,11 @@
           <a:p>
             <a:r>
               <a:rPr lang="es-ES" sz="6000" dirty="0"/>
-              <a:t>OBSEA</a:t>
+              <a:t>OBSEA </a:t>
+            </a:r>
+            <a:r>
+              <a:rPr lang="es-ES" sz="6000" dirty="0" err="1"/>
+              <a:t>prototype</a:t>
             </a:r>
             <a:endParaRPr lang="en-GB" dirty="0"/>
           </a:p>
@@ -10987,7 +10991,7 @@
         <p:spPr>
           <a:xfrm>
             <a:off x="1768883" y="2072402"/>
-            <a:ext cx="8480904" cy="2677656"/>
+            <a:ext cx="8480904" cy="3416320"/>
           </a:xfrm>
           <a:prstGeom prst="rect">
             <a:avLst/>
@@ -11036,6 +11040,18 @@
                 <a:hlinkClick r:id="rId4"/>
               </a:rPr>
               <a:t>https://bluenetcat.github.io/OBSEA/windsock/</a:t>
+            </a:r>
+            <a:endParaRPr lang="ca-ES" sz="2400" dirty="0"/>
+          </a:p>
+          <a:p>
+            <a:endParaRPr lang="ca-ES" sz="2400" dirty="0"/>
+          </a:p>
+          <a:p>
+            <a:r>
+              <a:rPr lang="ca-ES" sz="2400" dirty="0">
+                <a:hlinkClick r:id="rId5"/>
+              </a:rPr>
+              <a:t>https://bluenetcat.github.io/OBSEA/Ocean/</a:t>
             </a:r>
             <a:endParaRPr lang="ca-ES" sz="2400" dirty="0"/>
           </a:p>
@@ -11059,7 +11075,7 @@
           <p:nvPr/>
         </p:nvPicPr>
         <p:blipFill>
-          <a:blip r:embed="rId5"/>
+          <a:blip r:embed="rId6"/>
           <a:srcRect/>
           <a:stretch>
             <a:fillRect/>
@@ -15974,7 +15990,7 @@
         <p:spPr>
           <a:xfrm>
             <a:off x="1768883" y="2316955"/>
-            <a:ext cx="8480904" cy="3539430"/>
+            <a:ext cx="8480904" cy="4278094"/>
           </a:xfrm>
           <a:prstGeom prst="rect">
             <a:avLst/>
@@ -16069,60 +16085,32 @@
             </a:pPr>
             <a:r>
               <a:rPr lang="ca-ES" sz="2400" dirty="0"/>
-              <a:t>Afegir global </a:t>
-            </a:r>
-            <a:r>
-              <a:rPr lang="ca-ES" sz="2400" dirty="0" err="1"/>
-              <a:t>fishing</a:t>
-            </a:r>
-            <a:r>
-              <a:rPr lang="ca-ES" sz="2400" dirty="0"/>
-              <a:t> </a:t>
-            </a:r>
-            <a:r>
-              <a:rPr lang="ca-ES" sz="2400" dirty="0" err="1"/>
-              <a:t>watch</a:t>
-            </a:r>
-            <a:r>
-              <a:rPr lang="ca-ES" sz="2400" dirty="0"/>
-              <a:t> i </a:t>
-            </a:r>
-            <a:r>
-              <a:rPr lang="ca-ES" sz="2400" dirty="0" err="1"/>
-              <a:t>the</a:t>
-            </a:r>
-            <a:r>
-              <a:rPr lang="ca-ES" sz="2400" dirty="0"/>
-              <a:t> </a:t>
-            </a:r>
-            <a:r>
-              <a:rPr lang="ca-ES" sz="2400" dirty="0" err="1"/>
-              <a:t>marine</a:t>
-            </a:r>
-            <a:r>
-              <a:rPr lang="ca-ES" sz="2400" dirty="0"/>
-              <a:t> </a:t>
-            </a:r>
-            <a:r>
-              <a:rPr lang="ca-ES" sz="2400" dirty="0" err="1"/>
-              <a:t>institute</a:t>
-            </a:r>
-            <a:r>
-              <a:rPr lang="ca-ES" sz="2400" dirty="0"/>
-              <a:t> </a:t>
-            </a:r>
-            <a:r>
-              <a:rPr lang="ca-ES" sz="2400" dirty="0" err="1"/>
-              <a:t>bottom</a:t>
-            </a:r>
-            <a:r>
-              <a:rPr lang="ca-ES" sz="2400" dirty="0"/>
-              <a:t> </a:t>
-            </a:r>
-            <a:r>
-              <a:rPr lang="ca-ES" sz="2400" dirty="0" err="1"/>
-              <a:t>trawling</a:t>
-            </a:r>
+              <a:t>Més informació detallada respecte plataformes similars:</a:t>
+            </a:r>
+          </a:p>
+          <a:p>
+            <a:r>
+              <a:rPr lang="ca-ES" sz="2400" dirty="0">
+                <a:hlinkClick r:id="rId2"/>
+              </a:rPr>
+              <a:t>https://globalfishingwatch.org/map/</a:t>
+            </a:r>
+            <a:endParaRPr lang="ca-ES" sz="2400" dirty="0"/>
+          </a:p>
+          <a:p>
+            <a:r>
+              <a:rPr lang="ca-ES" sz="2400" dirty="0">
+                <a:hlinkClick r:id="rId3"/>
+              </a:rPr>
+              <a:t>https://shiny.marine.ie/igfs/</a:t>
+            </a:r>
+            <a:endParaRPr lang="ca-ES" sz="2400" dirty="0"/>
+          </a:p>
+          <a:p>
+            <a:pPr marL="342900" indent="-342900">
+              <a:buFont typeface="Arial" panose="020B0604020202020204" pitchFamily="34" charset="0"/>
+              <a:buChar char="•"/>
+            </a:pPr>
             <a:endParaRPr lang="ca-ES" sz="2400" dirty="0"/>
           </a:p>
         </p:txBody>
